--- a/Presentación.pptx
+++ b/Presentación.pptx
@@ -290,7 +290,7 @@
             <a:pPr rtl="0"/>
             <a:fld id="{7D111B09-CA48-4BCF-97F5-9B601DBBC991}" type="datetime1">
               <a:rPr lang="es-ES" smtClean="0"/>
-              <a:t>04/07/2023</a:t>
+              <a:t>05/07/2023</a:t>
             </a:fld>
             <a:endParaRPr lang="es-ES" dirty="0"/>
           </a:p>
@@ -472,7 +472,7 @@
             <a:pPr rtl="0"/>
             <a:fld id="{10C0484F-50E2-418A-A642-2DFD2A840DB6}" type="datetime1">
               <a:rPr lang="es-ES" smtClean="0"/>
-              <a:t>04/07/2023</a:t>
+              <a:t>05/07/2023</a:t>
             </a:fld>
             <a:endParaRPr lang="es-ES" dirty="0"/>
           </a:p>
@@ -920,7 +920,7 @@
             <a:pPr rtl="0"/>
             <a:fld id="{980D3DFC-11A7-4DDF-8AEE-A5ACE051EBF3}" type="slidenum">
               <a:rPr lang="es-ES" smtClean="0"/>
-              <a:t>15</a:t>
+              <a:t>22</a:t>
             </a:fld>
             <a:endParaRPr lang="es-ES" dirty="0"/>
           </a:p>
@@ -1014,7 +1014,7 @@
             <a:pPr rtl="0"/>
             <a:fld id="{980D3DFC-11A7-4DDF-8AEE-A5ACE051EBF3}" type="slidenum">
               <a:rPr lang="es-ES" smtClean="0"/>
-              <a:t>16</a:t>
+              <a:t>23</a:t>
             </a:fld>
             <a:endParaRPr lang="es-ES" dirty="0"/>
           </a:p>
@@ -1108,7 +1108,7 @@
             <a:pPr rtl="0"/>
             <a:fld id="{980D3DFC-11A7-4DDF-8AEE-A5ACE051EBF3}" type="slidenum">
               <a:rPr lang="es-ES" smtClean="0"/>
-              <a:t>17</a:t>
+              <a:t>24</a:t>
             </a:fld>
             <a:endParaRPr lang="es-ES" dirty="0"/>
           </a:p>
@@ -1672,7 +1672,7 @@
             <a:pPr rtl="0"/>
             <a:fld id="{980D3DFC-11A7-4DDF-8AEE-A5ACE051EBF3}" type="slidenum">
               <a:rPr lang="es-ES" smtClean="0"/>
-              <a:t>12</a:t>
+              <a:t>13</a:t>
             </a:fld>
             <a:endParaRPr lang="es-ES" dirty="0"/>
           </a:p>
@@ -1766,7 +1766,7 @@
             <a:pPr rtl="0"/>
             <a:fld id="{980D3DFC-11A7-4DDF-8AEE-A5ACE051EBF3}" type="slidenum">
               <a:rPr lang="es-ES" smtClean="0"/>
-              <a:t>13</a:t>
+              <a:t>20</a:t>
             </a:fld>
             <a:endParaRPr lang="es-ES" dirty="0"/>
           </a:p>
@@ -1860,7 +1860,7 @@
             <a:pPr rtl="0"/>
             <a:fld id="{980D3DFC-11A7-4DDF-8AEE-A5ACE051EBF3}" type="slidenum">
               <a:rPr lang="es-ES" smtClean="0"/>
-              <a:t>14</a:t>
+              <a:t>21</a:t>
             </a:fld>
             <a:endParaRPr lang="es-ES" dirty="0"/>
           </a:p>
@@ -14972,7 +14972,7 @@
         <p:spPr>
           <a:xfrm>
             <a:off x="2862072" y="174296"/>
-            <a:ext cx="6473952" cy="2201606"/>
+            <a:ext cx="7101078" cy="2099004"/>
           </a:xfrm>
         </p:spPr>
         <p:txBody>
@@ -15022,7 +15022,7 @@
         </p:blipFill>
         <p:spPr>
           <a:xfrm>
-            <a:off x="94891" y="684938"/>
+            <a:off x="87702" y="684938"/>
             <a:ext cx="12016595" cy="5488124"/>
           </a:xfrm>
           <a:prstGeom prst="rect">
@@ -18724,6 +18724,15 @@
 </file>
 
 <file path=customXml/item1.xml><?xml version="1.0" encoding="utf-8"?>
+<?mso-contentType ?>
+<FormTemplates xmlns="http://schemas.microsoft.com/sharepoint/v3/contenttype/forms">
+  <Display>DocumentLibraryForm</Display>
+  <Edit>DocumentLibraryForm</Edit>
+  <New>DocumentLibraryForm</New>
+</FormTemplates>
+</file>
+
+<file path=customXml/item2.xml><?xml version="1.0" encoding="utf-8"?>
 <ct:contentTypeSchema xmlns:ct="http://schemas.microsoft.com/office/2006/metadata/contentType" xmlns:ma="http://schemas.microsoft.com/office/2006/metadata/properties/metaAttributes" ct:_="" ma:_="" ma:contentTypeName="Document" ma:contentTypeID="0x01010079F111ED35F8CC479449609E8A0923A6" ma:contentTypeVersion="24" ma:contentTypeDescription="Create a new document." ma:contentTypeScope="" ma:versionID="2d714a3296df14eba7a100bb665443ca">
   <xsd:schema xmlns:xsd="http://www.w3.org/2001/XMLSchema" xmlns:xs="http://www.w3.org/2001/XMLSchema" xmlns:p="http://schemas.microsoft.com/office/2006/metadata/properties" xmlns:ns1="http://schemas.microsoft.com/sharepoint/v3" xmlns:ns2="71af3243-3dd4-4a8d-8c0d-dd76da1f02a5" xmlns:ns3="16c05727-aa75-4e4a-9b5f-8a80a1165891" xmlns:ns4="230e9df3-be65-4c73-a93b-d1236ebd677e" targetNamespace="http://schemas.microsoft.com/office/2006/metadata/properties" ma:root="true" ma:fieldsID="49549bf45bfbbfb6cffed527380e77e1" ns1:_="" ns2:_="" ns3:_="" ns4:_="">
     <xsd:import namespace="http://schemas.microsoft.com/sharepoint/v3"/>
@@ -19011,15 +19020,6 @@
 </ct:contentTypeSchema>
 </file>
 
-<file path=customXml/item2.xml><?xml version="1.0" encoding="utf-8"?>
-<?mso-contentType ?>
-<FormTemplates xmlns="http://schemas.microsoft.com/sharepoint/v3/contenttype/forms">
-  <Display>DocumentLibraryForm</Display>
-  <Edit>DocumentLibraryForm</Edit>
-  <New>DocumentLibraryForm</New>
-</FormTemplates>
-</file>
-
 <file path=customXml/item3.xml><?xml version="1.0" encoding="utf-8"?>
 <p:properties xmlns:p="http://schemas.microsoft.com/office/2006/metadata/properties" xmlns:xsi="http://www.w3.org/2001/XMLSchema-instance" xmlns:pc="http://schemas.microsoft.com/office/infopath/2007/PartnerControls">
   <documentManagement>
@@ -19041,6 +19041,14 @@
 </file>
 
 <file path=customXml/itemProps1.xml><?xml version="1.0" encoding="utf-8"?>
+<ds:datastoreItem xmlns:ds="http://schemas.openxmlformats.org/officeDocument/2006/customXml" ds:itemID="{200612C0-7A0D-4816-8D4F-44899948363B}">
+  <ds:schemaRefs>
+    <ds:schemaRef ds:uri="http://schemas.microsoft.com/sharepoint/v3/contenttype/forms"/>
+  </ds:schemaRefs>
+</ds:datastoreItem>
+</file>
+
+<file path=customXml/itemProps2.xml><?xml version="1.0" encoding="utf-8"?>
 <ds:datastoreItem xmlns:ds="http://schemas.openxmlformats.org/officeDocument/2006/customXml" ds:itemID="{C6E12E80-39A1-42E4-9CA9-99C9A2EE0C10}">
   <ds:schemaRefs>
     <ds:schemaRef ds:uri="http://schemas.microsoft.com/office/2006/metadata/contentType"/>
@@ -19061,14 +19069,6 @@
 </ds:datastoreItem>
 </file>
 
-<file path=customXml/itemProps2.xml><?xml version="1.0" encoding="utf-8"?>
-<ds:datastoreItem xmlns:ds="http://schemas.openxmlformats.org/officeDocument/2006/customXml" ds:itemID="{200612C0-7A0D-4816-8D4F-44899948363B}">
-  <ds:schemaRefs>
-    <ds:schemaRef ds:uri="http://schemas.microsoft.com/sharepoint/v3/contenttype/forms"/>
-  </ds:schemaRefs>
-</ds:datastoreItem>
-</file>
-
 <file path=customXml/itemProps3.xml><?xml version="1.0" encoding="utf-8"?>
 <ds:datastoreItem xmlns:ds="http://schemas.openxmlformats.org/officeDocument/2006/customXml" ds:itemID="{A894E911-F6B6-48CD-8738-CF1ACCB2FAF9}">
   <ds:schemaRefs>

--- a/Presentación.pptx
+++ b/Presentación.pptx
@@ -14030,34 +14030,18 @@
           <a:p>
             <a:r>
               <a:rPr lang="es-ES" dirty="0"/>
-              <a:t>En nuestro archivo security-config.xml tendemos una instancia de esta clase </a:t>
-            </a:r>
-            <a:r>
-              <a:rPr lang="es-ES" err="1"/>
-              <a:t>llamda</a:t>
+              <a:t>En nuestro archivo security-config.xml tendremos una instancia de esta clase llamada "</a:t>
+            </a:r>
+            <a:r>
+              <a:rPr lang="es-ES" dirty="0" err="1"/>
+              <a:t>UsuarioDetailsService</a:t>
             </a:r>
             <a:r>
               <a:rPr lang="es-ES" dirty="0"/>
-              <a:t> "</a:t>
-            </a:r>
-            <a:r>
-              <a:rPr lang="es-ES" err="1"/>
-              <a:t>UsuarioDetailsService</a:t>
-            </a:r>
-            <a:r>
-              <a:rPr lang="es-ES" dirty="0"/>
-              <a:t>" la cual implementa una </a:t>
-            </a:r>
-            <a:r>
-              <a:rPr lang="es-ES" err="1"/>
-              <a:t>interfas</a:t>
-            </a:r>
-            <a:r>
-              <a:rPr lang="es-ES" dirty="0"/>
-              <a:t> "</a:t>
-            </a:r>
-            <a:r>
-              <a:rPr lang="es-ES" err="1"/>
+              <a:t>" la cual implementa una interfaz "</a:t>
+            </a:r>
+            <a:r>
+              <a:rPr lang="es-ES" dirty="0" err="1"/>
               <a:t>UserDetailService</a:t>
             </a:r>
             <a:r>
@@ -14072,7 +14056,7 @@
               <a:t>se utiliza para recuperar datos relacionados con el usuario. Tiene un método llamado </a:t>
             </a:r>
             <a:r>
-              <a:rPr lang="es-ES" err="1">
+              <a:rPr lang="es-ES" dirty="0" err="1">
                 <a:ea typeface="+mn-lt"/>
                 <a:cs typeface="+mn-lt"/>
               </a:rPr>
@@ -14083,21 +14067,7 @@
                 <a:ea typeface="+mn-lt"/>
                 <a:cs typeface="+mn-lt"/>
               </a:rPr>
-              <a:t> () que se puede </a:t>
-            </a:r>
-            <a:r>
-              <a:rPr lang="es-ES" err="1">
-                <a:ea typeface="+mn-lt"/>
-                <a:cs typeface="+mn-lt"/>
-              </a:rPr>
-              <a:t>sobreescribir</a:t>
-            </a:r>
-            <a:r>
-              <a:rPr lang="es-ES" dirty="0">
-                <a:ea typeface="+mn-lt"/>
-                <a:cs typeface="+mn-lt"/>
-              </a:rPr>
-              <a:t> para personalizar el proceso de búsqueda del usuario.</a:t>
+              <a:t> () que se puede sobrescribir para personalizar el proceso de búsqueda del usuario.</a:t>
             </a:r>
             <a:endParaRPr lang="es-ES" dirty="0"/>
           </a:p>
@@ -14217,7 +14187,7 @@
         <p:spPr>
           <a:xfrm>
             <a:off x="444500" y="2210817"/>
-            <a:ext cx="4835584" cy="2308324"/>
+            <a:ext cx="4835584" cy="2031325"/>
           </a:xfrm>
           <a:prstGeom prst="rect">
             <a:avLst/>
@@ -14235,7 +14205,7 @@
           <a:p>
             <a:r>
               <a:rPr lang="es-ES" dirty="0"/>
-              <a:t>En nuestro JSP del </a:t>
+              <a:t>En nuestro JSP de </a:t>
             </a:r>
             <a:r>
               <a:rPr lang="es-ES" dirty="0" err="1"/>
@@ -14243,18 +14213,8 @@
             </a:r>
             <a:r>
               <a:rPr lang="es-ES" dirty="0"/>
-              <a:t> crearemos un formulario el cual tenga 3 campos necesarios, uno para el CSRF.TOKEN (un token generado automáticamente para validar la sesión del usuario), otro para el usuario y la contraseña. Cuando </a:t>
-            </a:r>
-            <a:r>
-              <a:rPr lang="es-ES" dirty="0" err="1"/>
-              <a:t>submiteamos</a:t>
-            </a:r>
-            <a:r>
-              <a:rPr lang="es-ES" dirty="0"/>
-              <a:t> el formulario, activaremos la verificación del usuario, está configurada en el archivo</a:t>
-            </a:r>
-          </a:p>
-          <a:p>
+              <a:t> crearemos un formulario, el cual tendrá 3 campos necesarios, uno para el CSRF.TOKEN (un token generado automáticamente para validar la sesión del usuario), otro para el usuario y la contraseña. Cuando enviamos el formulario, activaremos la verificación del usuario, la misma está configurada en el archivo </a:t>
+            </a:r>
             <a:r>
               <a:rPr lang="es-ES" b="1" dirty="0"/>
               <a:t>security-config.xml.</a:t>
@@ -14376,7 +14336,7 @@
         </p:nvSpPr>
         <p:spPr>
           <a:xfrm>
-            <a:off x="444500" y="2210817"/>
+            <a:off x="403808" y="2210817"/>
             <a:ext cx="4835584" cy="2585323"/>
           </a:xfrm>
           <a:prstGeom prst="rect">
@@ -14395,15 +14355,23 @@
           <a:p>
             <a:r>
               <a:rPr lang="es-ES" dirty="0"/>
-              <a:t>Dentro del </a:t>
-            </a:r>
-            <a:r>
-              <a:rPr lang="es-ES" b="1" dirty="0"/>
-              <a:t>LoginController.java</a:t>
+              <a:t>Al pasar las validaciones de </a:t>
+            </a:r>
+            <a:r>
+              <a:rPr lang="es-ES" dirty="0" err="1"/>
+              <a:t>spring</a:t>
             </a:r>
             <a:r>
               <a:rPr lang="es-ES" dirty="0"/>
-              <a:t> ya que estamos trabajando con Spring MVC manejaremos las peticiones HTML para manejar las redirecciones. A este punto el usuario paso las validaciones en caso de que todo se </a:t>
+              <a:t> </a:t>
+            </a:r>
+            <a:r>
+              <a:rPr lang="es-ES" dirty="0" err="1"/>
+              <a:t>security</a:t>
+            </a:r>
+            <a:r>
+              <a:rPr lang="es-ES" dirty="0"/>
+              <a:t>, en caso de que todo se </a:t>
             </a:r>
             <a:r>
               <a:rPr lang="es-ES" u="sng" dirty="0"/>
@@ -14431,6 +14399,20 @@
             <a:r>
               <a:rPr lang="es-ES" dirty="0"/>
               <a:t> con un parámetro adicional "error" el cual utilizaremos para mostrar un mensaje de que las credenciales no son correctas.</a:t>
+            </a:r>
+          </a:p>
+          <a:p>
+            <a:r>
+              <a:rPr lang="es-ES" dirty="0"/>
+              <a:t>Dentro del </a:t>
+            </a:r>
+            <a:r>
+              <a:rPr lang="es-ES" b="1" dirty="0"/>
+              <a:t>LoginController.java</a:t>
+            </a:r>
+            <a:r>
+              <a:rPr lang="es-ES" dirty="0"/>
+              <a:t> ya que estamos trabajando con Spring MVC manejaremos las peticiones HTML para manejar las redirecciones.</a:t>
             </a:r>
           </a:p>
         </p:txBody>
@@ -14560,7 +14542,7 @@
           <a:p>
             <a:pPr rtl="0"/>
             <a:r>
-              <a:rPr lang="es-ES"/>
+              <a:rPr lang="es-ES" dirty="0"/>
               <a:t>“</a:t>
             </a:r>
           </a:p>
@@ -17275,15 +17257,7 @@
           <a:p>
             <a:r>
               <a:rPr lang="es-ES" sz="2000" dirty="0"/>
-              <a:t>Spring Security intercepta las peticiones las cuales las somete a ciertos filtros los cuales al pasar las validaciones </a:t>
-            </a:r>
-            <a:r>
-              <a:rPr lang="es-ES" sz="2000" err="1"/>
-              <a:t>hara</a:t>
-            </a:r>
-            <a:r>
-              <a:rPr lang="es-ES" sz="2000" dirty="0"/>
-              <a:t> la redirección siguiente a través del Servlet. Tendremos en cuenta que al no cumplir con los filtros nos arrojara una excepción la cual nos indica que no tenemos acceso a dichos recursos.</a:t>
+              <a:t>Spring Security intercepta las peticiones, las cuales las somete a ciertos que al pasar las validaciones hará la redirección siguiente a través del Servlet. Tendremos en cuenta que al no cumplir con los filtros nos arrojara una excepción la cual nos indica que no tenemos acceso a dichos recursos.</a:t>
             </a:r>
           </a:p>
         </p:txBody>
@@ -17536,7 +17510,7 @@
         <p:spPr>
           <a:xfrm>
             <a:off x="444500" y="1793874"/>
-            <a:ext cx="4174226" cy="1477328"/>
+            <a:ext cx="4174226" cy="2308324"/>
           </a:xfrm>
           <a:prstGeom prst="rect">
             <a:avLst/>
@@ -17563,6 +17537,52 @@
             <a:r>
               <a:rPr lang="es-ES" dirty="0"/>
               <a:t>importaremos las dependencias necesarias de Spring Security. Hay que tener en cuenta la compatibilidad con nuestras dependencias que ya estamos utilizando en nuestro proyecto.</a:t>
+            </a:r>
+          </a:p>
+          <a:p>
+            <a:endParaRPr lang="es-ES" b="1" dirty="0"/>
+          </a:p>
+          <a:p>
+            <a:endParaRPr lang="es-ES" b="1" dirty="0"/>
+          </a:p>
+          <a:p>
+            <a:r>
+              <a:rPr lang="es-ES" b="1" dirty="0"/>
+              <a:t>Links: </a:t>
+            </a:r>
+            <a:r>
+              <a:rPr lang="es-ES" b="1" dirty="0" err="1">
+                <a:hlinkClick r:id="rId3" tooltip="https://mvnrepository.com/artifact/org.springframework.security/spring-security-web"/>
+              </a:rPr>
+              <a:t>security</a:t>
+            </a:r>
+            <a:r>
+              <a:rPr lang="es-ES" b="1" dirty="0">
+                <a:hlinkClick r:id="rId3" tooltip="https://mvnrepository.com/artifact/org.springframework.security/spring-security-web"/>
+              </a:rPr>
+              <a:t> web</a:t>
+            </a:r>
+            <a:r>
+              <a:rPr lang="es-ES" b="1" dirty="0"/>
+              <a:t> – </a:t>
+            </a:r>
+            <a:r>
+              <a:rPr lang="es-ES" b="1" dirty="0" err="1">
+                <a:hlinkClick r:id="rId4"/>
+              </a:rPr>
+              <a:t>security</a:t>
+            </a:r>
+            <a:r>
+              <a:rPr lang="es-ES" b="1" dirty="0">
+                <a:hlinkClick r:id="rId4"/>
+              </a:rPr>
+              <a:t> </a:t>
+            </a:r>
+            <a:r>
+              <a:rPr lang="es-ES" b="1" dirty="0" err="1">
+                <a:hlinkClick r:id="rId4"/>
+              </a:rPr>
+              <a:t>config</a:t>
             </a:r>
             <a:endParaRPr lang="es-ES" b="1" dirty="0"/>
           </a:p>
@@ -17682,7 +17702,7 @@
         <p:spPr>
           <a:xfrm>
             <a:off x="444500" y="1793874"/>
-            <a:ext cx="4389886" cy="1477328"/>
+            <a:ext cx="4389886" cy="1200329"/>
           </a:xfrm>
           <a:prstGeom prst="rect">
             <a:avLst/>
@@ -17708,13 +17728,7 @@
             </a:r>
             <a:r>
               <a:rPr lang="es-ES" dirty="0"/>
-              <a:t>configuraremos tanto la localización del archivo el cual contenga los filtros y configuraciones de nuestra web, así como la </a:t>
-            </a:r>
-          </a:p>
-          <a:p>
-            <a:r>
-              <a:rPr lang="es-ES" dirty="0"/>
-              <a:t>Security </a:t>
+              <a:t>configuraremos la localización del archivo que contenga los filtros y configuraciones de nuestra web, así como la Security </a:t>
             </a:r>
             <a:r>
               <a:rPr lang="es-ES" dirty="0" err="1"/>
@@ -17884,7 +17898,7 @@
             </a:r>
             <a:r>
               <a:rPr lang="es-ES" dirty="0"/>
-              <a:t> y la autenticación del usuario. Podemos identificar varios atributos los cuales identifican las peticiones, identificación de campos a utilizar y roles necesarios. También encriptaremos las contraseñas a la hora de comprarlas ya que esto agrega una capa extra de seguridad al usuario.</a:t>
+              <a:t> y la autenticación del usuario. Podemos identificar varios atributos los cuales identifican las peticiones, identificación de campos a utilizar y roles necesarios. También encriptaremos las contraseñas a la hora de compararlas ya que esto agrega una capa extra de seguridad al usuario.</a:t>
             </a:r>
           </a:p>
         </p:txBody>
@@ -17911,7 +17925,7 @@
         </p:blipFill>
         <p:spPr>
           <a:xfrm>
-            <a:off x="5587042" y="1079579"/>
+            <a:off x="5327264" y="1109967"/>
             <a:ext cx="6481313" cy="5202048"/>
           </a:xfrm>
           <a:prstGeom prst="rect">
@@ -18724,15 +18738,6 @@
 </file>
 
 <file path=customXml/item1.xml><?xml version="1.0" encoding="utf-8"?>
-<?mso-contentType ?>
-<FormTemplates xmlns="http://schemas.microsoft.com/sharepoint/v3/contenttype/forms">
-  <Display>DocumentLibraryForm</Display>
-  <Edit>DocumentLibraryForm</Edit>
-  <New>DocumentLibraryForm</New>
-</FormTemplates>
-</file>
-
-<file path=customXml/item2.xml><?xml version="1.0" encoding="utf-8"?>
 <ct:contentTypeSchema xmlns:ct="http://schemas.microsoft.com/office/2006/metadata/contentType" xmlns:ma="http://schemas.microsoft.com/office/2006/metadata/properties/metaAttributes" ct:_="" ma:_="" ma:contentTypeName="Document" ma:contentTypeID="0x01010079F111ED35F8CC479449609E8A0923A6" ma:contentTypeVersion="24" ma:contentTypeDescription="Create a new document." ma:contentTypeScope="" ma:versionID="2d714a3296df14eba7a100bb665443ca">
   <xsd:schema xmlns:xsd="http://www.w3.org/2001/XMLSchema" xmlns:xs="http://www.w3.org/2001/XMLSchema" xmlns:p="http://schemas.microsoft.com/office/2006/metadata/properties" xmlns:ns1="http://schemas.microsoft.com/sharepoint/v3" xmlns:ns2="71af3243-3dd4-4a8d-8c0d-dd76da1f02a5" xmlns:ns3="16c05727-aa75-4e4a-9b5f-8a80a1165891" xmlns:ns4="230e9df3-be65-4c73-a93b-d1236ebd677e" targetNamespace="http://schemas.microsoft.com/office/2006/metadata/properties" ma:root="true" ma:fieldsID="49549bf45bfbbfb6cffed527380e77e1" ns1:_="" ns2:_="" ns3:_="" ns4:_="">
     <xsd:import namespace="http://schemas.microsoft.com/sharepoint/v3"/>
@@ -19020,6 +19025,15 @@
 </ct:contentTypeSchema>
 </file>
 
+<file path=customXml/item2.xml><?xml version="1.0" encoding="utf-8"?>
+<?mso-contentType ?>
+<FormTemplates xmlns="http://schemas.microsoft.com/sharepoint/v3/contenttype/forms">
+  <Display>DocumentLibraryForm</Display>
+  <Edit>DocumentLibraryForm</Edit>
+  <New>DocumentLibraryForm</New>
+</FormTemplates>
+</file>
+
 <file path=customXml/item3.xml><?xml version="1.0" encoding="utf-8"?>
 <p:properties xmlns:p="http://schemas.microsoft.com/office/2006/metadata/properties" xmlns:xsi="http://www.w3.org/2001/XMLSchema-instance" xmlns:pc="http://schemas.microsoft.com/office/infopath/2007/PartnerControls">
   <documentManagement>
@@ -19041,14 +19055,6 @@
 </file>
 
 <file path=customXml/itemProps1.xml><?xml version="1.0" encoding="utf-8"?>
-<ds:datastoreItem xmlns:ds="http://schemas.openxmlformats.org/officeDocument/2006/customXml" ds:itemID="{200612C0-7A0D-4816-8D4F-44899948363B}">
-  <ds:schemaRefs>
-    <ds:schemaRef ds:uri="http://schemas.microsoft.com/sharepoint/v3/contenttype/forms"/>
-  </ds:schemaRefs>
-</ds:datastoreItem>
-</file>
-
-<file path=customXml/itemProps2.xml><?xml version="1.0" encoding="utf-8"?>
 <ds:datastoreItem xmlns:ds="http://schemas.openxmlformats.org/officeDocument/2006/customXml" ds:itemID="{C6E12E80-39A1-42E4-9CA9-99C9A2EE0C10}">
   <ds:schemaRefs>
     <ds:schemaRef ds:uri="http://schemas.microsoft.com/office/2006/metadata/contentType"/>
@@ -19069,6 +19075,14 @@
 </ds:datastoreItem>
 </file>
 
+<file path=customXml/itemProps2.xml><?xml version="1.0" encoding="utf-8"?>
+<ds:datastoreItem xmlns:ds="http://schemas.openxmlformats.org/officeDocument/2006/customXml" ds:itemID="{200612C0-7A0D-4816-8D4F-44899948363B}">
+  <ds:schemaRefs>
+    <ds:schemaRef ds:uri="http://schemas.microsoft.com/sharepoint/v3/contenttype/forms"/>
+  </ds:schemaRefs>
+</ds:datastoreItem>
+</file>
+
 <file path=customXml/itemProps3.xml><?xml version="1.0" encoding="utf-8"?>
 <ds:datastoreItem xmlns:ds="http://schemas.openxmlformats.org/officeDocument/2006/customXml" ds:itemID="{A894E911-F6B6-48CD-8738-CF1ACCB2FAF9}">
   <ds:schemaRefs>
